--- a/Presentation/TeamHotaru.pptx
+++ b/Presentation/TeamHotaru.pptx
@@ -3409,9 +3409,14 @@
           </a:p>
           <a:p>
             <a:r>
-              <a:rPr lang="en-US" dirty="0" smtClean="0"/>
-              <a:t>Canvas animation</a:t>
-            </a:r>
+              <a:rPr lang="en-US" smtClean="0"/>
+              <a:t>Canvas </a:t>
+            </a:r>
+            <a:r>
+              <a:rPr lang="en-US" smtClean="0"/>
+              <a:t>and SVG animation</a:t>
+            </a:r>
+            <a:endParaRPr lang="en-US" dirty="0" smtClean="0"/>
           </a:p>
           <a:p>
             <a:r>
@@ -3428,8 +3433,13 @@
           <a:p>
             <a:r>
               <a:rPr lang="en-US" dirty="0" smtClean="0"/>
-              <a:t>SVG for class diagram</a:t>
-            </a:r>
+              <a:t>Raphael for </a:t>
+            </a:r>
+            <a:r>
+              <a:rPr lang="en-US" dirty="0" smtClean="0"/>
+              <a:t>SVG graphics</a:t>
+            </a:r>
+            <a:endParaRPr lang="en-US" dirty="0" smtClean="0"/>
           </a:p>
         </p:txBody>
       </p:sp>

--- a/Presentation/TeamHotaru.pptx
+++ b/Presentation/TeamHotaru.pptx
@@ -3291,15 +3291,23 @@
           <a:lstStyle/>
           <a:p>
             <a:r>
+              <a:rPr lang="en-US" i="1" dirty="0"/>
+              <a:t>2015 THE AIR BATTLE</a:t>
+            </a:r>
+            <a:r>
               <a:rPr lang="en-US" dirty="0" smtClean="0"/>
-              <a:t>AIR BATTLE 2014</a:t>
+              <a:t/>
             </a:r>
             <a:br>
               <a:rPr lang="en-US" dirty="0" smtClean="0"/>
             </a:br>
             <a:r>
               <a:rPr lang="en-US" dirty="0" smtClean="0"/>
-              <a:t>Game project</a:t>
+              <a:t>JS g</a:t>
+            </a:r>
+            <a:r>
+              <a:rPr lang="en-US" dirty="0" smtClean="0"/>
+              <a:t>ame</a:t>
             </a:r>
             <a:endParaRPr lang="en-US" dirty="0"/>
           </a:p>
@@ -3404,19 +3412,29 @@
           <a:p>
             <a:r>
               <a:rPr lang="en-US" dirty="0" smtClean="0"/>
-              <a:t>KineticJS for HTML5 Canvas</a:t>
-            </a:r>
-          </a:p>
-          <a:p>
-            <a:r>
-              <a:rPr lang="en-US" smtClean="0"/>
-              <a:t>Canvas </a:t>
-            </a:r>
-            <a:r>
-              <a:rPr lang="en-US" smtClean="0"/>
-              <a:t>and SVG animation</a:t>
+              <a:t>KineticJS for HTML5 </a:t>
+            </a:r>
+            <a:r>
+              <a:rPr lang="en-US" dirty="0" smtClean="0"/>
+              <a:t>Canvas</a:t>
+            </a:r>
+          </a:p>
+          <a:p>
+            <a:r>
+              <a:rPr lang="en-US" dirty="0"/>
+              <a:t>Raphael for SVG </a:t>
+            </a:r>
+            <a:r>
+              <a:rPr lang="en-US" dirty="0" smtClean="0"/>
+              <a:t>graphics</a:t>
             </a:r>
             <a:endParaRPr lang="en-US" dirty="0" smtClean="0"/>
+          </a:p>
+          <a:p>
+            <a:r>
+              <a:rPr lang="en-US" dirty="0" smtClean="0"/>
+              <a:t>Canvas and SVG animation</a:t>
+            </a:r>
           </a:p>
           <a:p>
             <a:r>
@@ -3427,17 +3445,11 @@
           <a:p>
             <a:r>
               <a:rPr lang="en-US" dirty="0" smtClean="0"/>
-              <a:t>JS OOP</a:t>
-            </a:r>
-          </a:p>
-          <a:p>
+              <a:t>JS </a:t>
+            </a:r>
             <a:r>
               <a:rPr lang="en-US" dirty="0" smtClean="0"/>
-              <a:t>Raphael for </a:t>
-            </a:r>
-            <a:r>
-              <a:rPr lang="en-US" dirty="0" smtClean="0"/>
-              <a:t>SVG graphics</a:t>
+              <a:t>OOP</a:t>
             </a:r>
             <a:endParaRPr lang="en-US" dirty="0" smtClean="0"/>
           </a:p>
